--- a/w2_functions/lesson/w2_starter.pptx
+++ b/w2_functions/lesson/w2_starter.pptx
@@ -5,8 +5,7 @@
     <p:sldMasterId id="2147483648" r:id="rId1"/>
   </p:sldMasterIdLst>
   <p:sldIdLst>
-    <p:sldId id="280" r:id="rId2"/>
-    <p:sldId id="329" r:id="rId3"/>
+    <p:sldId id="329" r:id="rId2"/>
   </p:sldIdLst>
   <p:sldSz cx="12192000" cy="6858000"/>
   <p:notesSz cx="6858000" cy="9144000"/>
@@ -262,7 +261,7 @@
           <a:p>
             <a:fld id="{E511ED95-5D42-43AA-8CBD-0976EB2D55B1}" type="datetimeFigureOut">
               <a:rPr lang="en-GB" smtClean="0"/>
-              <a:t>29/09/2024</a:t>
+              <a:t>20/09/2025</a:t>
             </a:fld>
             <a:endParaRPr lang="en-GB"/>
           </a:p>
@@ -462,7 +461,7 @@
           <a:p>
             <a:fld id="{E511ED95-5D42-43AA-8CBD-0976EB2D55B1}" type="datetimeFigureOut">
               <a:rPr lang="en-GB" smtClean="0"/>
-              <a:t>29/09/2024</a:t>
+              <a:t>20/09/2025</a:t>
             </a:fld>
             <a:endParaRPr lang="en-GB"/>
           </a:p>
@@ -672,7 +671,7 @@
           <a:p>
             <a:fld id="{E511ED95-5D42-43AA-8CBD-0976EB2D55B1}" type="datetimeFigureOut">
               <a:rPr lang="en-GB" smtClean="0"/>
-              <a:t>29/09/2024</a:t>
+              <a:t>20/09/2025</a:t>
             </a:fld>
             <a:endParaRPr lang="en-GB"/>
           </a:p>
@@ -872,7 +871,7 @@
           <a:p>
             <a:fld id="{E511ED95-5D42-43AA-8CBD-0976EB2D55B1}" type="datetimeFigureOut">
               <a:rPr lang="en-GB" smtClean="0"/>
-              <a:t>29/09/2024</a:t>
+              <a:t>20/09/2025</a:t>
             </a:fld>
             <a:endParaRPr lang="en-GB"/>
           </a:p>
@@ -1148,7 +1147,7 @@
           <a:p>
             <a:fld id="{E511ED95-5D42-43AA-8CBD-0976EB2D55B1}" type="datetimeFigureOut">
               <a:rPr lang="en-GB" smtClean="0"/>
-              <a:t>29/09/2024</a:t>
+              <a:t>20/09/2025</a:t>
             </a:fld>
             <a:endParaRPr lang="en-GB"/>
           </a:p>
@@ -1416,7 +1415,7 @@
           <a:p>
             <a:fld id="{E511ED95-5D42-43AA-8CBD-0976EB2D55B1}" type="datetimeFigureOut">
               <a:rPr lang="en-GB" smtClean="0"/>
-              <a:t>29/09/2024</a:t>
+              <a:t>20/09/2025</a:t>
             </a:fld>
             <a:endParaRPr lang="en-GB"/>
           </a:p>
@@ -1831,7 +1830,7 @@
           <a:p>
             <a:fld id="{E511ED95-5D42-43AA-8CBD-0976EB2D55B1}" type="datetimeFigureOut">
               <a:rPr lang="en-GB" smtClean="0"/>
-              <a:t>29/09/2024</a:t>
+              <a:t>20/09/2025</a:t>
             </a:fld>
             <a:endParaRPr lang="en-GB"/>
           </a:p>
@@ -1973,7 +1972,7 @@
           <a:p>
             <a:fld id="{E511ED95-5D42-43AA-8CBD-0976EB2D55B1}" type="datetimeFigureOut">
               <a:rPr lang="en-GB" smtClean="0"/>
-              <a:t>29/09/2024</a:t>
+              <a:t>20/09/2025</a:t>
             </a:fld>
             <a:endParaRPr lang="en-GB"/>
           </a:p>
@@ -2086,7 +2085,7 @@
           <a:p>
             <a:fld id="{E511ED95-5D42-43AA-8CBD-0976EB2D55B1}" type="datetimeFigureOut">
               <a:rPr lang="en-GB" smtClean="0"/>
-              <a:t>29/09/2024</a:t>
+              <a:t>20/09/2025</a:t>
             </a:fld>
             <a:endParaRPr lang="en-GB"/>
           </a:p>
@@ -2399,7 +2398,7 @@
           <a:p>
             <a:fld id="{E511ED95-5D42-43AA-8CBD-0976EB2D55B1}" type="datetimeFigureOut">
               <a:rPr lang="en-GB" smtClean="0"/>
-              <a:t>29/09/2024</a:t>
+              <a:t>20/09/2025</a:t>
             </a:fld>
             <a:endParaRPr lang="en-GB"/>
           </a:p>
@@ -2688,7 +2687,7 @@
           <a:p>
             <a:fld id="{E511ED95-5D42-43AA-8CBD-0976EB2D55B1}" type="datetimeFigureOut">
               <a:rPr lang="en-GB" smtClean="0"/>
-              <a:t>29/09/2024</a:t>
+              <a:t>20/09/2025</a:t>
             </a:fld>
             <a:endParaRPr lang="en-GB"/>
           </a:p>
@@ -2931,7 +2930,7 @@
           <a:p>
             <a:fld id="{E511ED95-5D42-43AA-8CBD-0976EB2D55B1}" type="datetimeFigureOut">
               <a:rPr lang="en-GB" smtClean="0"/>
-              <a:t>29/09/2024</a:t>
+              <a:t>20/09/2025</a:t>
             </a:fld>
             <a:endParaRPr lang="en-GB"/>
           </a:p>
@@ -3353,149 +3352,6 @@
           <p:cNvPr id="2" name="Title 1">
             <a:extLst>
               <a:ext uri="{FF2B5EF4-FFF2-40B4-BE49-F238E27FC236}">
-                <a16:creationId xmlns:a16="http://schemas.microsoft.com/office/drawing/2014/main" id="{02FEE16B-71B8-43A1-BC00-7A908FE032E6}"/>
-              </a:ext>
-            </a:extLst>
-          </p:cNvPr>
-          <p:cNvSpPr>
-            <a:spLocks noGrp="1"/>
-          </p:cNvSpPr>
-          <p:nvPr>
-            <p:ph type="ctrTitle"/>
-          </p:nvPr>
-        </p:nvSpPr>
-        <p:spPr>
-          <a:xfrm>
-            <a:off x="1524000" y="1122363"/>
-            <a:ext cx="9144000" cy="2387600"/>
-          </a:xfrm>
-        </p:spPr>
-        <p:txBody>
-          <a:bodyPr>
-            <a:normAutofit fontScale="90000"/>
-          </a:bodyPr>
-          <a:lstStyle/>
-          <a:p>
-            <a:r>
-              <a:rPr lang="en-GB" dirty="0"/>
-              <a:t>LIN6209 Coding for Linguists</a:t>
-            </a:r>
-            <a:br>
-              <a:rPr lang="en-GB" dirty="0"/>
-            </a:br>
-            <a:br>
-              <a:rPr lang="en-GB" dirty="0"/>
-            </a:br>
-            <a:r>
-              <a:rPr lang="en-GB" dirty="0"/>
-              <a:t>2 - Functions</a:t>
-            </a:r>
-          </a:p>
-        </p:txBody>
-      </p:sp>
-      <p:sp>
-        <p:nvSpPr>
-          <p:cNvPr id="10" name="Subtitle 9">
-            <a:extLst>
-              <a:ext uri="{FF2B5EF4-FFF2-40B4-BE49-F238E27FC236}">
-                <a16:creationId xmlns:a16="http://schemas.microsoft.com/office/drawing/2014/main" id="{F733EF4E-9AE9-8AF2-CB6C-DBA41D7072F1}"/>
-              </a:ext>
-            </a:extLst>
-          </p:cNvPr>
-          <p:cNvSpPr>
-            <a:spLocks noGrp="1"/>
-          </p:cNvSpPr>
-          <p:nvPr>
-            <p:ph type="subTitle" idx="1"/>
-          </p:nvPr>
-        </p:nvSpPr>
-        <p:spPr/>
-        <p:txBody>
-          <a:bodyPr/>
-          <a:lstStyle/>
-          <a:p>
-            <a:endParaRPr lang="en-GB"/>
-          </a:p>
-        </p:txBody>
-      </p:sp>
-      <p:sp>
-        <p:nvSpPr>
-          <p:cNvPr id="3" name="Slide Number Placeholder 2">
-            <a:extLst>
-              <a:ext uri="{FF2B5EF4-FFF2-40B4-BE49-F238E27FC236}">
-                <a16:creationId xmlns:a16="http://schemas.microsoft.com/office/drawing/2014/main" id="{D9B7C326-E980-4345-82B7-34F5A57CCD46}"/>
-              </a:ext>
-            </a:extLst>
-          </p:cNvPr>
-          <p:cNvSpPr>
-            <a:spLocks noGrp="1"/>
-          </p:cNvSpPr>
-          <p:nvPr>
-            <p:ph type="sldNum" sz="quarter" idx="12"/>
-          </p:nvPr>
-        </p:nvSpPr>
-        <p:spPr>
-          <a:xfrm>
-            <a:off x="8610600" y="6356350"/>
-            <a:ext cx="2743200" cy="365125"/>
-          </a:xfrm>
-        </p:spPr>
-        <p:txBody>
-          <a:bodyPr/>
-          <a:lstStyle/>
-          <a:p>
-            <a:fld id="{65732FEA-24D1-4915-A1EC-F2B772E3D71E}" type="slidenum">
-              <a:rPr lang="en-GB" smtClean="0"/>
-              <a:pPr/>
-              <a:t>1</a:t>
-            </a:fld>
-            <a:endParaRPr lang="en-GB"/>
-          </a:p>
-        </p:txBody>
-      </p:sp>
-    </p:spTree>
-    <p:extLst>
-      <p:ext uri="{BB962C8B-B14F-4D97-AF65-F5344CB8AC3E}">
-        <p14:creationId xmlns:p14="http://schemas.microsoft.com/office/powerpoint/2010/main" val="3743528606"/>
-      </p:ext>
-    </p:extLst>
-  </p:cSld>
-  <p:clrMapOvr>
-    <a:masterClrMapping/>
-  </p:clrMapOvr>
-  <mc:AlternateContent xmlns:mc="http://schemas.openxmlformats.org/markup-compatibility/2006">
-    <mc:Choice xmlns:p14="http://schemas.microsoft.com/office/powerpoint/2010/main" Requires="p14">
-      <p:transition spd="slow" p14:dur="2000" advTm="2000"/>
-    </mc:Choice>
-    <mc:Fallback>
-      <p:transition spd="slow" advTm="2000"/>
-    </mc:Fallback>
-  </mc:AlternateContent>
-</p:sld>
-</file>
-
-<file path=ppt/slides/slide2.xml><?xml version="1.0" encoding="utf-8"?>
-<p:sld xmlns:a="http://schemas.openxmlformats.org/drawingml/2006/main" xmlns:r="http://schemas.openxmlformats.org/officeDocument/2006/relationships" xmlns:p="http://schemas.openxmlformats.org/presentationml/2006/main">
-  <p:cSld>
-    <p:spTree>
-      <p:nvGrpSpPr>
-        <p:cNvPr id="1" name=""/>
-        <p:cNvGrpSpPr/>
-        <p:nvPr/>
-      </p:nvGrpSpPr>
-      <p:grpSpPr>
-        <a:xfrm>
-          <a:off x="0" y="0"/>
-          <a:ext cx="0" cy="0"/>
-          <a:chOff x="0" y="0"/>
-          <a:chExt cx="0" cy="0"/>
-        </a:xfrm>
-      </p:grpSpPr>
-      <p:sp>
-        <p:nvSpPr>
-          <p:cNvPr id="2" name="Title 1">
-            <a:extLst>
-              <a:ext uri="{FF2B5EF4-FFF2-40B4-BE49-F238E27FC236}">
                 <a16:creationId xmlns:a16="http://schemas.microsoft.com/office/drawing/2014/main" id="{3BC62F76-EE71-4638-A5D7-6F696105ECFE}"/>
               </a:ext>
             </a:extLst>
